--- a/JavaScript/Week1AND2/Week 1AND2.pptx
+++ b/JavaScript/Week1AND2/Week 1AND2.pptx
@@ -267,7 +267,7 @@
           <a:p>
             <a:fld id="{F28A4246-F2A7-4220-A405-8A96DAE08D6A}" type="datetimeFigureOut">
               <a:rPr lang="en-US" smtClean="0"/>
-              <a:t>1/5/25</a:t>
+              <a:t>1/8/25</a:t>
             </a:fld>
             <a:endParaRPr lang="en-US"/>
           </a:p>
@@ -437,7 +437,7 @@
           <a:p>
             <a:fld id="{F28A4246-F2A7-4220-A405-8A96DAE08D6A}" type="datetimeFigureOut">
               <a:rPr lang="en-US" smtClean="0"/>
-              <a:t>1/5/25</a:t>
+              <a:t>1/8/25</a:t>
             </a:fld>
             <a:endParaRPr lang="en-US"/>
           </a:p>
@@ -617,7 +617,7 @@
           <a:p>
             <a:fld id="{F28A4246-F2A7-4220-A405-8A96DAE08D6A}" type="datetimeFigureOut">
               <a:rPr lang="en-US" smtClean="0"/>
-              <a:t>1/5/25</a:t>
+              <a:t>1/8/25</a:t>
             </a:fld>
             <a:endParaRPr lang="en-US"/>
           </a:p>
@@ -787,7 +787,7 @@
           <a:p>
             <a:fld id="{F28A4246-F2A7-4220-A405-8A96DAE08D6A}" type="datetimeFigureOut">
               <a:rPr lang="en-US" smtClean="0"/>
-              <a:t>1/5/25</a:t>
+              <a:t>1/8/25</a:t>
             </a:fld>
             <a:endParaRPr lang="en-US"/>
           </a:p>
@@ -1033,7 +1033,7 @@
           <a:p>
             <a:fld id="{F28A4246-F2A7-4220-A405-8A96DAE08D6A}" type="datetimeFigureOut">
               <a:rPr lang="en-US" smtClean="0"/>
-              <a:t>1/5/25</a:t>
+              <a:t>1/8/25</a:t>
             </a:fld>
             <a:endParaRPr lang="en-US"/>
           </a:p>
@@ -1265,7 +1265,7 @@
           <a:p>
             <a:fld id="{F28A4246-F2A7-4220-A405-8A96DAE08D6A}" type="datetimeFigureOut">
               <a:rPr lang="en-US" smtClean="0"/>
-              <a:t>1/5/25</a:t>
+              <a:t>1/8/25</a:t>
             </a:fld>
             <a:endParaRPr lang="en-US"/>
           </a:p>
@@ -1632,7 +1632,7 @@
           <a:p>
             <a:fld id="{F28A4246-F2A7-4220-A405-8A96DAE08D6A}" type="datetimeFigureOut">
               <a:rPr lang="en-US" smtClean="0"/>
-              <a:t>1/5/25</a:t>
+              <a:t>1/8/25</a:t>
             </a:fld>
             <a:endParaRPr lang="en-US"/>
           </a:p>
@@ -1750,7 +1750,7 @@
           <a:p>
             <a:fld id="{F28A4246-F2A7-4220-A405-8A96DAE08D6A}" type="datetimeFigureOut">
               <a:rPr lang="en-US" smtClean="0"/>
-              <a:t>1/5/25</a:t>
+              <a:t>1/8/25</a:t>
             </a:fld>
             <a:endParaRPr lang="en-US"/>
           </a:p>
@@ -1845,7 +1845,7 @@
           <a:p>
             <a:fld id="{F28A4246-F2A7-4220-A405-8A96DAE08D6A}" type="datetimeFigureOut">
               <a:rPr lang="en-US" smtClean="0"/>
-              <a:t>1/5/25</a:t>
+              <a:t>1/8/25</a:t>
             </a:fld>
             <a:endParaRPr lang="en-US"/>
           </a:p>
@@ -2122,7 +2122,7 @@
           <a:p>
             <a:fld id="{F28A4246-F2A7-4220-A405-8A96DAE08D6A}" type="datetimeFigureOut">
               <a:rPr lang="en-US" smtClean="0"/>
-              <a:t>1/5/25</a:t>
+              <a:t>1/8/25</a:t>
             </a:fld>
             <a:endParaRPr lang="en-US"/>
           </a:p>
@@ -2379,7 +2379,7 @@
           <a:p>
             <a:fld id="{F28A4246-F2A7-4220-A405-8A96DAE08D6A}" type="datetimeFigureOut">
               <a:rPr lang="en-US" smtClean="0"/>
-              <a:t>1/5/25</a:t>
+              <a:t>1/8/25</a:t>
             </a:fld>
             <a:endParaRPr lang="en-US"/>
           </a:p>
@@ -2592,7 +2592,7 @@
           <a:p>
             <a:fld id="{F28A4246-F2A7-4220-A405-8A96DAE08D6A}" type="datetimeFigureOut">
               <a:rPr lang="en-US" smtClean="0"/>
-              <a:t>1/5/25</a:t>
+              <a:t>1/8/25</a:t>
             </a:fld>
             <a:endParaRPr lang="en-US"/>
           </a:p>
@@ -4233,13 +4233,31 @@
         <p:spPr/>
         <p:txBody>
           <a:bodyPr>
-            <a:normAutofit lnSpcReduction="10000"/>
+            <a:normAutofit fontScale="77500" lnSpcReduction="20000"/>
           </a:bodyPr>
           <a:lstStyle/>
           <a:p>
             <a:r>
               <a:rPr lang="en-US" dirty="0"/>
-              <a:t>1. Sequential, 2. Conditional, 3. Looping, 4. Transfer</a:t>
+              <a:t>1. Sequential, </a:t>
+            </a:r>
+          </a:p>
+          <a:p>
+            <a:r>
+              <a:rPr lang="en-US" dirty="0"/>
+              <a:t>2. Conditional, </a:t>
+            </a:r>
+          </a:p>
+          <a:p>
+            <a:r>
+              <a:rPr lang="en-US" dirty="0"/>
+              <a:t>3. Looping, </a:t>
+            </a:r>
+          </a:p>
+          <a:p>
+            <a:r>
+              <a:rPr lang="en-US" dirty="0"/>
+              <a:t>4. Transfer</a:t>
             </a:r>
           </a:p>
           <a:p>
@@ -4274,11 +4292,7 @@
             </a:pPr>
             <a:r>
               <a:rPr lang="en-US" dirty="0"/>
-              <a:t>Console.log</a:t>
-            </a:r>
-            <a:r>
-              <a:rPr lang="en-US"/>
-              <a:t>(“hello”);</a:t>
+              <a:t>Console.log(“hello”);</a:t>
             </a:r>
           </a:p>
           <a:p>
@@ -4903,11 +4917,11 @@
               <a:buNone/>
             </a:pPr>
             <a:r>
-              <a:rPr lang="en-US" dirty="0" err="1"/>
+              <a:rPr lang="en-US" sz="2800" dirty="0" err="1"/>
               <a:t>i</a:t>
             </a:r>
             <a:r>
-              <a:rPr lang="en-US" dirty="0"/>
+              <a:rPr lang="en-US" sz="2800" dirty="0"/>
               <a:t>) Function Declarations</a:t>
             </a:r>
           </a:p>
@@ -4926,13 +4940,8 @@
             </a:pPr>
             <a:r>
               <a:rPr lang="en-US" dirty="0"/>
-              <a:t>     iii) </a:t>
-            </a:r>
-            <a:r>
-              <a:rPr lang="en-US"/>
-              <a:t>Arrow Functions (ES5-ES6) </a:t>
-            </a:r>
-            <a:endParaRPr lang="en-US" dirty="0"/>
+              <a:t>     iii) Arrow Functions (ES5-ES6) </a:t>
+            </a:r>
           </a:p>
           <a:p>
             <a:endParaRPr lang="en-US" dirty="0"/>
